--- a/Employee Attrition - Machine Learning/Project 2 - Employee Attrition.pptx
+++ b/Employee Attrition - Machine Learning/Project 2 - Employee Attrition.pptx
@@ -10,15 +10,14 @@
     <p:sldId id="258" r:id="rId4"/>
     <p:sldId id="259" r:id="rId5"/>
     <p:sldId id="260" r:id="rId6"/>
-    <p:sldId id="261" r:id="rId7"/>
-    <p:sldId id="262" r:id="rId8"/>
-    <p:sldId id="263" r:id="rId9"/>
-    <p:sldId id="264" r:id="rId10"/>
-    <p:sldId id="265" r:id="rId11"/>
-    <p:sldId id="266" r:id="rId12"/>
-    <p:sldId id="267" r:id="rId13"/>
-    <p:sldId id="268" r:id="rId14"/>
-    <p:sldId id="269" r:id="rId15"/>
+    <p:sldId id="262" r:id="rId7"/>
+    <p:sldId id="263" r:id="rId8"/>
+    <p:sldId id="264" r:id="rId9"/>
+    <p:sldId id="265" r:id="rId10"/>
+    <p:sldId id="266" r:id="rId11"/>
+    <p:sldId id="267" r:id="rId12"/>
+    <p:sldId id="268" r:id="rId13"/>
+    <p:sldId id="269" r:id="rId14"/>
   </p:sldIdLst>
   <p:sldSz cx="12192000" cy="6858000"/>
   <p:notesSz cx="6858000" cy="9144000"/>
@@ -2944,7 +2943,7 @@
           <a:p>
             <a:fld id="{999A8DD2-C443-44AD-85B3-4CE72B962C5F}" type="datetimeFigureOut">
               <a:rPr lang="en-US" smtClean="0"/>
-              <a:t>7/25/23</a:t>
+              <a:t>7/31/23</a:t>
             </a:fld>
             <a:endParaRPr lang="en-US"/>
           </a:p>
@@ -3282,7 +3281,7 @@
           <a:p>
             <a:fld id="{999A8DD2-C443-44AD-85B3-4CE72B962C5F}" type="datetimeFigureOut">
               <a:rPr lang="en-US" smtClean="0"/>
-              <a:t>7/25/23</a:t>
+              <a:t>7/31/23</a:t>
             </a:fld>
             <a:endParaRPr lang="en-US"/>
           </a:p>
@@ -3683,7 +3682,7 @@
           <a:p>
             <a:fld id="{999A8DD2-C443-44AD-85B3-4CE72B962C5F}" type="datetimeFigureOut">
               <a:rPr lang="en-US" smtClean="0"/>
-              <a:t>7/25/23</a:t>
+              <a:t>7/31/23</a:t>
             </a:fld>
             <a:endParaRPr lang="en-US"/>
           </a:p>
@@ -4019,7 +4018,7 @@
           <a:p>
             <a:fld id="{999A8DD2-C443-44AD-85B3-4CE72B962C5F}" type="datetimeFigureOut">
               <a:rPr lang="en-US" smtClean="0"/>
-              <a:t>7/25/23</a:t>
+              <a:t>7/31/23</a:t>
             </a:fld>
             <a:endParaRPr lang="en-US"/>
           </a:p>
@@ -4339,7 +4338,7 @@
           <a:p>
             <a:fld id="{999A8DD2-C443-44AD-85B3-4CE72B962C5F}" type="datetimeFigureOut">
               <a:rPr lang="en-US" smtClean="0"/>
-              <a:t>7/25/23</a:t>
+              <a:t>7/31/23</a:t>
             </a:fld>
             <a:endParaRPr lang="en-US"/>
           </a:p>
@@ -4735,7 +4734,7 @@
           <a:p>
             <a:fld id="{999A8DD2-C443-44AD-85B3-4CE72B962C5F}" type="datetimeFigureOut">
               <a:rPr lang="en-US" smtClean="0"/>
-              <a:t>7/25/23</a:t>
+              <a:t>7/31/23</a:t>
             </a:fld>
             <a:endParaRPr lang="en-US"/>
           </a:p>
@@ -4992,7 +4991,7 @@
           <a:p>
             <a:fld id="{999A8DD2-C443-44AD-85B3-4CE72B962C5F}" type="datetimeFigureOut">
               <a:rPr lang="en-US" smtClean="0"/>
-              <a:t>7/25/23</a:t>
+              <a:t>7/31/23</a:t>
             </a:fld>
             <a:endParaRPr lang="en-US"/>
           </a:p>
@@ -5254,7 +5253,7 @@
           <a:p>
             <a:fld id="{999A8DD2-C443-44AD-85B3-4CE72B962C5F}" type="datetimeFigureOut">
               <a:rPr lang="en-US" smtClean="0"/>
-              <a:t>7/25/23</a:t>
+              <a:t>7/31/23</a:t>
             </a:fld>
             <a:endParaRPr lang="en-US"/>
           </a:p>
@@ -5516,7 +5515,7 @@
           <a:p>
             <a:fld id="{999A8DD2-C443-44AD-85B3-4CE72B962C5F}" type="datetimeFigureOut">
               <a:rPr lang="en-US" smtClean="0"/>
-              <a:t>7/25/23</a:t>
+              <a:t>7/31/23</a:t>
             </a:fld>
             <a:endParaRPr lang="en-US"/>
           </a:p>
@@ -5845,7 +5844,7 @@
           <a:p>
             <a:fld id="{999A8DD2-C443-44AD-85B3-4CE72B962C5F}" type="datetimeFigureOut">
               <a:rPr lang="en-US" smtClean="0"/>
-              <a:t>7/25/23</a:t>
+              <a:t>7/31/23</a:t>
             </a:fld>
             <a:endParaRPr lang="en-US"/>
           </a:p>
@@ -6168,7 +6167,7 @@
           <a:p>
             <a:fld id="{999A8DD2-C443-44AD-85B3-4CE72B962C5F}" type="datetimeFigureOut">
               <a:rPr lang="en-US" smtClean="0"/>
-              <a:t>7/25/23</a:t>
+              <a:t>7/31/23</a:t>
             </a:fld>
             <a:endParaRPr lang="en-US"/>
           </a:p>
@@ -6625,7 +6624,7 @@
           <a:p>
             <a:fld id="{999A8DD2-C443-44AD-85B3-4CE72B962C5F}" type="datetimeFigureOut">
               <a:rPr lang="en-US" smtClean="0"/>
-              <a:t>7/25/23</a:t>
+              <a:t>7/31/23</a:t>
             </a:fld>
             <a:endParaRPr lang="en-US"/>
           </a:p>
@@ -6830,7 +6829,7 @@
           <a:p>
             <a:fld id="{999A8DD2-C443-44AD-85B3-4CE72B962C5F}" type="datetimeFigureOut">
               <a:rPr lang="en-US" smtClean="0"/>
-              <a:t>7/25/23</a:t>
+              <a:t>7/31/23</a:t>
             </a:fld>
             <a:endParaRPr lang="en-US"/>
           </a:p>
@@ -7007,7 +7006,7 @@
           <a:p>
             <a:fld id="{999A8DD2-C443-44AD-85B3-4CE72B962C5F}" type="datetimeFigureOut">
               <a:rPr lang="en-US" smtClean="0"/>
-              <a:t>7/25/23</a:t>
+              <a:t>7/31/23</a:t>
             </a:fld>
             <a:endParaRPr lang="en-US"/>
           </a:p>
@@ -7340,7 +7339,7 @@
           <a:p>
             <a:fld id="{999A8DD2-C443-44AD-85B3-4CE72B962C5F}" type="datetimeFigureOut">
               <a:rPr lang="en-US" smtClean="0"/>
-              <a:t>7/25/23</a:t>
+              <a:t>7/31/23</a:t>
             </a:fld>
             <a:endParaRPr lang="en-US"/>
           </a:p>
@@ -7685,7 +7684,7 @@
           <a:p>
             <a:fld id="{999A8DD2-C443-44AD-85B3-4CE72B962C5F}" type="datetimeFigureOut">
               <a:rPr lang="en-US" smtClean="0"/>
-              <a:t>7/25/23</a:t>
+              <a:t>7/31/23</a:t>
             </a:fld>
             <a:endParaRPr lang="en-US"/>
           </a:p>
@@ -9802,7 +9801,7 @@
           <a:p>
             <a:fld id="{999A8DD2-C443-44AD-85B3-4CE72B962C5F}" type="datetimeFigureOut">
               <a:rPr lang="en-US" smtClean="0"/>
-              <a:t>7/25/23</a:t>
+              <a:t>7/31/23</a:t>
             </a:fld>
             <a:endParaRPr lang="en-US"/>
           </a:p>
@@ -13011,110 +13010,6 @@
           <p:cNvPr id="2" name="Title 1">
             <a:extLst>
               <a:ext uri="{FF2B5EF4-FFF2-40B4-BE49-F238E27FC236}">
-                <a16:creationId xmlns:a16="http://schemas.microsoft.com/office/drawing/2014/main" id="{8EB1B07A-E0E3-7C0E-1711-5B298BD40C78}"/>
-              </a:ext>
-            </a:extLst>
-          </p:cNvPr>
-          <p:cNvSpPr>
-            <a:spLocks noGrp="1"/>
-          </p:cNvSpPr>
-          <p:nvPr>
-            <p:ph type="title"/>
-          </p:nvPr>
-        </p:nvSpPr>
-        <p:spPr/>
-        <p:txBody>
-          <a:bodyPr/>
-          <a:lstStyle/>
-          <a:p>
-            <a:r>
-              <a:rPr lang="en-US" dirty="0"/>
-              <a:t>Employee Attrition – Winner Function</a:t>
-            </a:r>
-          </a:p>
-        </p:txBody>
-      </p:sp>
-      <p:sp>
-        <p:nvSpPr>
-          <p:cNvPr id="3" name="Content Placeholder 2">
-            <a:extLst>
-              <a:ext uri="{FF2B5EF4-FFF2-40B4-BE49-F238E27FC236}">
-                <a16:creationId xmlns:a16="http://schemas.microsoft.com/office/drawing/2014/main" id="{4AA02DE4-8A51-6FA0-CF86-FE4E4CE2238D}"/>
-              </a:ext>
-            </a:extLst>
-          </p:cNvPr>
-          <p:cNvSpPr>
-            <a:spLocks noGrp="1"/>
-          </p:cNvSpPr>
-          <p:nvPr>
-            <p:ph idx="1"/>
-          </p:nvPr>
-        </p:nvSpPr>
-        <p:spPr/>
-        <p:txBody>
-          <a:bodyPr/>
-          <a:lstStyle/>
-          <a:p>
-            <a:pPr marL="0" indent="0">
-              <a:buNone/>
-            </a:pPr>
-            <a:r>
-              <a:rPr lang="en-US" dirty="0"/>
-              <a:t>I decided to create a winner function to iterate through each model and select the winner with the highest AUC. Let’s do this for 1000 occurrences. Here are the results:</a:t>
-            </a:r>
-          </a:p>
-          <a:p>
-            <a:pPr marL="0" indent="0">
-              <a:buNone/>
-            </a:pPr>
-            <a:endParaRPr lang="en-US" dirty="0"/>
-          </a:p>
-          <a:p>
-            <a:pPr marL="0" indent="0">
-              <a:buNone/>
-            </a:pPr>
-            <a:r>
-              <a:rPr lang="en-US" dirty="0"/>
-              <a:t>The results are interesting because even though SVM won the most times, the largest difference in average AUC scores is .0007 or .07% which tells me that all models are comparable.</a:t>
-            </a:r>
-          </a:p>
-        </p:txBody>
-      </p:sp>
-    </p:spTree>
-    <p:extLst>
-      <p:ext uri="{BB962C8B-B14F-4D97-AF65-F5344CB8AC3E}">
-        <p14:creationId xmlns:p14="http://schemas.microsoft.com/office/powerpoint/2010/main" val="771302106"/>
-      </p:ext>
-    </p:extLst>
-  </p:cSld>
-  <p:clrMapOvr>
-    <a:masterClrMapping/>
-  </p:clrMapOvr>
-</p:sld>
-</file>
-
-<file path=ppt/slides/slide11.xml><?xml version="1.0" encoding="utf-8"?>
-<p:sld xmlns:a="http://schemas.openxmlformats.org/drawingml/2006/main" xmlns:r="http://schemas.openxmlformats.org/officeDocument/2006/relationships" xmlns:p="http://schemas.openxmlformats.org/presentationml/2006/main">
-  <p:cSld>
-    <p:spTree>
-      <p:nvGrpSpPr>
-        <p:cNvPr id="1" name=""/>
-        <p:cNvGrpSpPr/>
-        <p:nvPr/>
-      </p:nvGrpSpPr>
-      <p:grpSpPr>
-        <a:xfrm>
-          <a:off x="0" y="0"/>
-          <a:ext cx="0" cy="0"/>
-          <a:chOff x="0" y="0"/>
-          <a:chExt cx="0" cy="0"/>
-        </a:xfrm>
-      </p:grpSpPr>
-      <p:sp>
-        <p:nvSpPr>
-          <p:cNvPr id="2" name="Title 1">
-            <a:extLst>
-              <a:ext uri="{FF2B5EF4-FFF2-40B4-BE49-F238E27FC236}">
                 <a16:creationId xmlns:a16="http://schemas.microsoft.com/office/drawing/2014/main" id="{5D99BCDF-7E97-6638-EB16-545EF5E83691}"/>
               </a:ext>
             </a:extLst>
@@ -13177,6 +13072,36 @@
           </a:p>
         </p:txBody>
       </p:sp>
+      <p:pic>
+        <p:nvPicPr>
+          <p:cNvPr id="7" name="Picture 6" descr="A black and white screen with white text&#10;&#10;Description automatically generated">
+            <a:extLst>
+              <a:ext uri="{FF2B5EF4-FFF2-40B4-BE49-F238E27FC236}">
+                <a16:creationId xmlns:a16="http://schemas.microsoft.com/office/drawing/2014/main" id="{0D42350A-98B7-E5FE-9617-B521979669F7}"/>
+              </a:ext>
+            </a:extLst>
+          </p:cNvPr>
+          <p:cNvPicPr>
+            <a:picLocks noChangeAspect="1"/>
+          </p:cNvPicPr>
+          <p:nvPr/>
+        </p:nvPicPr>
+        <p:blipFill>
+          <a:blip r:embed="rId2"/>
+          <a:stretch>
+            <a:fillRect/>
+          </a:stretch>
+        </p:blipFill>
+        <p:spPr>
+          <a:xfrm>
+            <a:off x="3238500" y="3976589"/>
+            <a:ext cx="5715000" cy="1943100"/>
+          </a:xfrm>
+          <a:prstGeom prst="rect">
+            <a:avLst/>
+          </a:prstGeom>
+        </p:spPr>
+      </p:pic>
     </p:spTree>
     <p:extLst>
       <p:ext uri="{BB962C8B-B14F-4D97-AF65-F5344CB8AC3E}">
@@ -13190,7 +13115,7 @@
 </p:sld>
 </file>
 
-<file path=ppt/slides/slide12.xml><?xml version="1.0" encoding="utf-8"?>
+<file path=ppt/slides/slide11.xml><?xml version="1.0" encoding="utf-8"?>
 <p:sld xmlns:a="http://schemas.openxmlformats.org/drawingml/2006/main" xmlns:r="http://schemas.openxmlformats.org/officeDocument/2006/relationships" xmlns:p="http://schemas.openxmlformats.org/presentationml/2006/main">
   <p:cSld>
     <p:spTree>
@@ -13286,6 +13211,36 @@
           </a:p>
         </p:txBody>
       </p:sp>
+      <p:pic>
+        <p:nvPicPr>
+          <p:cNvPr id="5" name="Picture 4" descr="A screen shot of a computer code&#10;&#10;Description automatically generated">
+            <a:extLst>
+              <a:ext uri="{FF2B5EF4-FFF2-40B4-BE49-F238E27FC236}">
+                <a16:creationId xmlns:a16="http://schemas.microsoft.com/office/drawing/2014/main" id="{BA476D6C-C3B6-96F2-1EF1-1FA3C87AE9EF}"/>
+              </a:ext>
+            </a:extLst>
+          </p:cNvPr>
+          <p:cNvPicPr>
+            <a:picLocks noChangeAspect="1"/>
+          </p:cNvPicPr>
+          <p:nvPr/>
+        </p:nvPicPr>
+        <p:blipFill>
+          <a:blip r:embed="rId2"/>
+          <a:stretch>
+            <a:fillRect/>
+          </a:stretch>
+        </p:blipFill>
+        <p:spPr>
+          <a:xfrm>
+            <a:off x="4025900" y="3429000"/>
+            <a:ext cx="5365418" cy="2482222"/>
+          </a:xfrm>
+          <a:prstGeom prst="rect">
+            <a:avLst/>
+          </a:prstGeom>
+        </p:spPr>
+      </p:pic>
     </p:spTree>
     <p:extLst>
       <p:ext uri="{BB962C8B-B14F-4D97-AF65-F5344CB8AC3E}">
@@ -13299,7 +13254,7 @@
 </p:sld>
 </file>
 
-<file path=ppt/slides/slide13.xml><?xml version="1.0" encoding="utf-8"?>
+<file path=ppt/slides/slide12.xml><?xml version="1.0" encoding="utf-8"?>
 <p:sld xmlns:a="http://schemas.openxmlformats.org/drawingml/2006/main" xmlns:r="http://schemas.openxmlformats.org/officeDocument/2006/relationships" xmlns:p="http://schemas.openxmlformats.org/presentationml/2006/main">
   <p:cSld>
     <p:spTree>
@@ -13375,6 +13330,36 @@
           </a:p>
         </p:txBody>
       </p:sp>
+      <p:pic>
+        <p:nvPicPr>
+          <p:cNvPr id="5" name="Picture 4" descr="A blue line graph with a point&#10;&#10;Description automatically generated">
+            <a:extLst>
+              <a:ext uri="{FF2B5EF4-FFF2-40B4-BE49-F238E27FC236}">
+                <a16:creationId xmlns:a16="http://schemas.microsoft.com/office/drawing/2014/main" id="{7DCB94AD-B506-AC3C-AF8B-696946FC980D}"/>
+              </a:ext>
+            </a:extLst>
+          </p:cNvPr>
+          <p:cNvPicPr>
+            <a:picLocks noChangeAspect="1"/>
+          </p:cNvPicPr>
+          <p:nvPr/>
+        </p:nvPicPr>
+        <p:blipFill>
+          <a:blip r:embed="rId2"/>
+          <a:stretch>
+            <a:fillRect/>
+          </a:stretch>
+        </p:blipFill>
+        <p:spPr>
+          <a:xfrm>
+            <a:off x="3844387" y="2761767"/>
+            <a:ext cx="4588413" cy="3612369"/>
+          </a:xfrm>
+          <a:prstGeom prst="rect">
+            <a:avLst/>
+          </a:prstGeom>
+        </p:spPr>
+      </p:pic>
     </p:spTree>
     <p:extLst>
       <p:ext uri="{BB962C8B-B14F-4D97-AF65-F5344CB8AC3E}">
@@ -13388,7 +13373,7 @@
 </p:sld>
 </file>
 
-<file path=ppt/slides/slide14.xml><?xml version="1.0" encoding="utf-8"?>
+<file path=ppt/slides/slide13.xml><?xml version="1.0" encoding="utf-8"?>
 <p:sld xmlns:a="http://schemas.openxmlformats.org/drawingml/2006/main" xmlns:r="http://schemas.openxmlformats.org/officeDocument/2006/relationships" xmlns:p="http://schemas.openxmlformats.org/presentationml/2006/main">
   <p:cSld>
     <p:spTree>
@@ -13452,7 +13437,7 @@
         <p:spPr/>
         <p:txBody>
           <a:bodyPr>
-            <a:normAutofit lnSpcReduction="10000"/>
+            <a:normAutofit/>
           </a:bodyPr>
           <a:lstStyle/>
           <a:p>
@@ -13489,7 +13474,15 @@
             </a:pPr>
             <a:r>
               <a:rPr lang="en-US" dirty="0"/>
-              <a:t>j</a:t>
+              <a:t>100% AUC when including </a:t>
+            </a:r>
+            <a:r>
+              <a:rPr lang="en-US" dirty="0" err="1"/>
+              <a:t>percentsalaryhike</a:t>
+            </a:r>
+            <a:r>
+              <a:rPr lang="en-US" dirty="0"/>
+              <a:t> and 50% without</a:t>
             </a:r>
           </a:p>
           <a:p>
@@ -13514,7 +13507,7 @@
             </a:pPr>
             <a:r>
               <a:rPr lang="en-US" dirty="0"/>
-              <a:t>Attrition model is 78.2% accurate for all model (plus-minus .07%)</a:t>
+              <a:t>Attrition model is 78.2% accurate for all models (plus-minus .07%)</a:t>
             </a:r>
           </a:p>
           <a:p>
@@ -13526,27 +13519,6 @@
               <a:rPr lang="en-US" dirty="0"/>
               <a:t>Tuned Attrition model has an 0.05% increased AUC score</a:t>
             </a:r>
-          </a:p>
-          <a:p>
-            <a:pPr marL="0" indent="0">
-              <a:buNone/>
-            </a:pPr>
-            <a:endParaRPr lang="en-US" dirty="0"/>
-          </a:p>
-          <a:p>
-            <a:pPr marL="0" indent="0">
-              <a:buNone/>
-            </a:pPr>
-            <a:r>
-              <a:rPr lang="en-US" dirty="0"/>
-              <a:t>I learned that it is much easier</a:t>
-            </a:r>
-          </a:p>
-          <a:p>
-            <a:pPr marL="0" indent="0">
-              <a:buNone/>
-            </a:pPr>
-            <a:endParaRPr lang="en-US" dirty="0"/>
           </a:p>
         </p:txBody>
       </p:sp>
@@ -13717,7 +13689,12 @@
             <p:ph sz="half" idx="1"/>
           </p:nvPr>
         </p:nvSpPr>
-        <p:spPr/>
+        <p:spPr>
+          <a:xfrm>
+            <a:off x="2589211" y="2133599"/>
+            <a:ext cx="4488921" cy="4385733"/>
+          </a:xfrm>
+        </p:spPr>
         <p:txBody>
           <a:bodyPr>
             <a:normAutofit/>
@@ -13754,7 +13731,23 @@
             </a:r>
             <a:r>
               <a:rPr lang="en-US" dirty="0"/>
-              <a:t>, and overtime variables as well. An example is shown below.</a:t>
+              <a:t>, department, </a:t>
+            </a:r>
+            <a:r>
+              <a:rPr lang="en-US" dirty="0" err="1"/>
+              <a:t>jobrole</a:t>
+            </a:r>
+            <a:r>
+              <a:rPr lang="en-US" dirty="0"/>
+              <a:t>, </a:t>
+            </a:r>
+            <a:r>
+              <a:rPr lang="en-US" dirty="0" err="1"/>
+              <a:t>educationfield</a:t>
+            </a:r>
+            <a:r>
+              <a:rPr lang="en-US" dirty="0"/>
+              <a:t> and overtime variables as well. An example is shown below.</a:t>
             </a:r>
           </a:p>
         </p:txBody>
@@ -13811,9 +13804,10 @@
           <a:lstStyle/>
           <a:p>
             <a:r>
-              <a:rPr lang="en-US" dirty="0"/>
+              <a:rPr lang="en-US"/>
               <a:t>Correlations with Employee Attrition</a:t>
             </a:r>
+            <a:endParaRPr lang="en-US" dirty="0"/>
           </a:p>
         </p:txBody>
       </p:sp>
@@ -13842,20 +13836,43 @@
               <a:buNone/>
             </a:pPr>
             <a:r>
-              <a:rPr lang="en-US" dirty="0"/>
-              <a:t>Nothing really stands out. The largest absolute correlation is </a:t>
+              <a:rPr lang="en-US"/>
+              <a:t>Nothing really stands out. The largest absolute correlation is OverTime at 0.25. </a:t>
             </a:r>
-            <a:r>
-              <a:rPr lang="en-US" dirty="0" err="1"/>
-              <a:t>OverTime</a:t>
-            </a:r>
-            <a:r>
-              <a:rPr lang="en-US" dirty="0"/>
-              <a:t> at 0.25. </a:t>
-            </a:r>
+            <a:endParaRPr lang="en-US" dirty="0"/>
           </a:p>
         </p:txBody>
       </p:sp>
+      <p:pic>
+        <p:nvPicPr>
+          <p:cNvPr id="5" name="Picture 4" descr="A graph with blue squares and black text&#10;&#10;Description automatically generated">
+            <a:extLst>
+              <a:ext uri="{FF2B5EF4-FFF2-40B4-BE49-F238E27FC236}">
+                <a16:creationId xmlns:a16="http://schemas.microsoft.com/office/drawing/2014/main" id="{462F58E0-17CE-96CE-B5F5-289C3A08B97F}"/>
+              </a:ext>
+            </a:extLst>
+          </p:cNvPr>
+          <p:cNvPicPr>
+            <a:picLocks noChangeAspect="1"/>
+          </p:cNvPicPr>
+          <p:nvPr/>
+        </p:nvPicPr>
+        <p:blipFill>
+          <a:blip r:embed="rId2"/>
+          <a:stretch>
+            <a:fillRect/>
+          </a:stretch>
+        </p:blipFill>
+        <p:spPr>
+          <a:xfrm>
+            <a:off x="3243262" y="2656372"/>
+            <a:ext cx="7607299" cy="3933026"/>
+          </a:xfrm>
+          <a:prstGeom prst="rect">
+            <a:avLst/>
+          </a:prstGeom>
+        </p:spPr>
+      </p:pic>
     </p:spTree>
     <p:extLst>
       <p:ext uri="{BB962C8B-B14F-4D97-AF65-F5344CB8AC3E}">
@@ -15146,7 +15163,7 @@
         <p:spPr>
           <a:xfrm>
             <a:off x="5049062" y="942108"/>
-            <a:ext cx="6455549" cy="4969114"/>
+            <a:ext cx="6455549" cy="2486892"/>
           </a:xfrm>
         </p:spPr>
         <p:txBody>
@@ -15159,18 +15176,88 @@
               <a:buNone/>
             </a:pPr>
             <a:r>
-              <a:rPr lang="en-US">
+              <a:rPr lang="en-US" dirty="0">
                 <a:solidFill>
                   <a:schemeClr val="tx2">
                     <a:lumMod val="75000"/>
                   </a:schemeClr>
                 </a:solidFill>
               </a:rPr>
-              <a:t>Looking at this chart, we can see that variables have less absolute correlation besides PercentSalaryHike. PercentSalaryHike has a positive correlation of 0.77. This makes sense that salary and performance would be correlated. Let’s test for significance in the next slide.</a:t>
+              <a:t>Looking at this chart, we can see that variables have less absolute correlation besides </a:t>
+            </a:r>
+            <a:r>
+              <a:rPr lang="en-US" dirty="0" err="1">
+                <a:solidFill>
+                  <a:schemeClr val="tx2">
+                    <a:lumMod val="75000"/>
+                  </a:schemeClr>
+                </a:solidFill>
+              </a:rPr>
+              <a:t>PercentSalaryHike</a:t>
+            </a:r>
+            <a:r>
+              <a:rPr lang="en-US" dirty="0">
+                <a:solidFill>
+                  <a:schemeClr val="tx2">
+                    <a:lumMod val="75000"/>
+                  </a:schemeClr>
+                </a:solidFill>
+              </a:rPr>
+              <a:t> when compared to the slide prior. </a:t>
+            </a:r>
+            <a:r>
+              <a:rPr lang="en-US" dirty="0" err="1">
+                <a:solidFill>
+                  <a:schemeClr val="tx2">
+                    <a:lumMod val="75000"/>
+                  </a:schemeClr>
+                </a:solidFill>
+              </a:rPr>
+              <a:t>PercentSalaryHike</a:t>
+            </a:r>
+            <a:r>
+              <a:rPr lang="en-US" dirty="0">
+                <a:solidFill>
+                  <a:schemeClr val="tx2">
+                    <a:lumMod val="75000"/>
+                  </a:schemeClr>
+                </a:solidFill>
+              </a:rPr>
+              <a:t> has a positive correlation of 0.77. This makes sense that salary and performance would be correlated. Let’s test for significance in the next slide.</a:t>
             </a:r>
           </a:p>
         </p:txBody>
       </p:sp>
+      <p:pic>
+        <p:nvPicPr>
+          <p:cNvPr id="5" name="Picture 4" descr="A graph with blue and white text&#10;&#10;Description automatically generated">
+            <a:extLst>
+              <a:ext uri="{FF2B5EF4-FFF2-40B4-BE49-F238E27FC236}">
+                <a16:creationId xmlns:a16="http://schemas.microsoft.com/office/drawing/2014/main" id="{0359E5B8-596F-8824-201C-C0D1BB06AA9D}"/>
+              </a:ext>
+            </a:extLst>
+          </p:cNvPr>
+          <p:cNvPicPr>
+            <a:picLocks noChangeAspect="1"/>
+          </p:cNvPicPr>
+          <p:nvPr/>
+        </p:nvPicPr>
+        <p:blipFill>
+          <a:blip r:embed="rId2"/>
+          <a:stretch>
+            <a:fillRect/>
+          </a:stretch>
+        </p:blipFill>
+        <p:spPr>
+          <a:xfrm>
+            <a:off x="5372439" y="3199204"/>
+            <a:ext cx="5689600" cy="2921000"/>
+          </a:xfrm>
+          <a:prstGeom prst="rect">
+            <a:avLst/>
+          </a:prstGeom>
+        </p:spPr>
+      </p:pic>
     </p:spTree>
     <p:extLst>
       <p:ext uri="{BB962C8B-B14F-4D97-AF65-F5344CB8AC3E}">
@@ -15185,399 +15272,6 @@
 </file>
 
 <file path=ppt/slides/slide6.xml><?xml version="1.0" encoding="utf-8"?>
-<p:sld xmlns:a="http://schemas.openxmlformats.org/drawingml/2006/main" xmlns:r="http://schemas.openxmlformats.org/officeDocument/2006/relationships" xmlns:p="http://schemas.openxmlformats.org/presentationml/2006/main">
-  <p:cSld>
-    <p:bg>
-      <p:bgPr>
-        <a:gradFill rotWithShape="1">
-          <a:gsLst>
-            <a:gs pos="0">
-              <a:schemeClr val="bg2">
-                <a:tint val="90000"/>
-                <a:satMod val="92000"/>
-                <a:lumMod val="120000"/>
-              </a:schemeClr>
-            </a:gs>
-            <a:gs pos="100000">
-              <a:schemeClr val="bg2">
-                <a:shade val="98000"/>
-                <a:satMod val="120000"/>
-                <a:lumMod val="98000"/>
-              </a:schemeClr>
-            </a:gs>
-          </a:gsLst>
-          <a:path path="circle">
-            <a:fillToRect l="50000" t="50000" r="100000" b="100000"/>
-          </a:path>
-        </a:gradFill>
-        <a:effectLst/>
-      </p:bgPr>
-    </p:bg>
-    <p:spTree>
-      <p:nvGrpSpPr>
-        <p:cNvPr id="1" name=""/>
-        <p:cNvGrpSpPr/>
-        <p:nvPr/>
-      </p:nvGrpSpPr>
-      <p:grpSpPr>
-        <a:xfrm>
-          <a:off x="0" y="0"/>
-          <a:ext cx="0" cy="0"/>
-          <a:chOff x="0" y="0"/>
-          <a:chExt cx="0" cy="0"/>
-        </a:xfrm>
-      </p:grpSpPr>
-      <p:sp>
-        <p:nvSpPr>
-          <p:cNvPr id="8" name="Rectangle 7">
-            <a:extLst>
-              <a:ext uri="{FF2B5EF4-FFF2-40B4-BE49-F238E27FC236}">
-                <a16:creationId xmlns:a16="http://schemas.microsoft.com/office/drawing/2014/main" id="{83030214-227F-42DB-9282-BBA6AF8D94A8}"/>
-              </a:ext>
-              <a:ext uri="{C183D7F6-B498-43B3-948B-1728B52AA6E4}">
-                <adec:decorative xmlns:adec="http://schemas.microsoft.com/office/drawing/2017/decorative" val="1"/>
-              </a:ext>
-            </a:extLst>
-          </p:cNvPr>
-          <p:cNvSpPr>
-            <a:spLocks noGrp="1" noRot="1" noChangeAspect="1" noMove="1" noResize="1" noEditPoints="1" noAdjustHandles="1" noChangeArrowheads="1" noChangeShapeType="1" noTextEdit="1"/>
-          </p:cNvSpPr>
-          <p:nvPr>
-            <p:extLst>
-              <p:ext uri="{386F3935-93C4-4BCD-93E2-E3B085C9AB24}">
-                <p16:designElem xmlns:p16="http://schemas.microsoft.com/office/powerpoint/2015/main" val="1"/>
-              </p:ext>
-            </p:extLst>
-          </p:nvPr>
-        </p:nvSpPr>
-        <p:spPr>
-          <a:xfrm>
-            <a:off x="1" y="0"/>
-            <a:ext cx="4654295" cy="6858000"/>
-          </a:xfrm>
-          <a:prstGeom prst="rect">
-            <a:avLst/>
-          </a:prstGeom>
-          <a:solidFill>
-            <a:schemeClr val="bg2"/>
-          </a:solidFill>
-          <a:ln>
-            <a:noFill/>
-          </a:ln>
-        </p:spPr>
-        <p:style>
-          <a:lnRef idx="2">
-            <a:schemeClr val="accent1">
-              <a:shade val="50000"/>
-            </a:schemeClr>
-          </a:lnRef>
-          <a:fillRef idx="1">
-            <a:schemeClr val="accent1"/>
-          </a:fillRef>
-          <a:effectRef idx="0">
-            <a:schemeClr val="accent1"/>
-          </a:effectRef>
-          <a:fontRef idx="minor">
-            <a:schemeClr val="lt1"/>
-          </a:fontRef>
-        </p:style>
-        <p:txBody>
-          <a:bodyPr rtlCol="0" anchor="ctr"/>
-          <a:lstStyle/>
-          <a:p>
-            <a:pPr algn="ctr"/>
-            <a:endParaRPr lang="en-US"/>
-          </a:p>
-        </p:txBody>
-      </p:sp>
-      <p:sp>
-        <p:nvSpPr>
-          <p:cNvPr id="2" name="Title 1">
-            <a:extLst>
-              <a:ext uri="{FF2B5EF4-FFF2-40B4-BE49-F238E27FC236}">
-                <a16:creationId xmlns:a16="http://schemas.microsoft.com/office/drawing/2014/main" id="{648CB4E4-0370-C09E-6E44-D31F131B5344}"/>
-              </a:ext>
-            </a:extLst>
-          </p:cNvPr>
-          <p:cNvSpPr>
-            <a:spLocks noGrp="1"/>
-          </p:cNvSpPr>
-          <p:nvPr>
-            <p:ph type="title"/>
-          </p:nvPr>
-        </p:nvSpPr>
-        <p:spPr>
-          <a:xfrm>
-            <a:off x="1433889" y="1059872"/>
-            <a:ext cx="3012216" cy="4851349"/>
-          </a:xfrm>
-        </p:spPr>
-        <p:txBody>
-          <a:bodyPr>
-            <a:normAutofit/>
-          </a:bodyPr>
-          <a:lstStyle/>
-          <a:p>
-            <a:r>
-              <a:rPr lang="en-US" sz="2500"/>
-              <a:t>Linear Regression: Performance ~ </a:t>
-            </a:r>
-            <a:r>
-              <a:rPr lang="en-US" sz="2500" err="1"/>
-              <a:t>PercentSalaryHike</a:t>
-            </a:r>
-            <a:r>
-              <a:rPr lang="en-US" sz="2500"/>
-              <a:t> </a:t>
-            </a:r>
-          </a:p>
-        </p:txBody>
-      </p:sp>
-      <p:sp>
-        <p:nvSpPr>
-          <p:cNvPr id="10" name="Freeform 11">
-            <a:extLst>
-              <a:ext uri="{FF2B5EF4-FFF2-40B4-BE49-F238E27FC236}">
-                <a16:creationId xmlns:a16="http://schemas.microsoft.com/office/drawing/2014/main" id="{0D7A9289-BAD1-4A78-979F-A655C886DBF5}"/>
-              </a:ext>
-              <a:ext uri="{C183D7F6-B498-43B3-948B-1728B52AA6E4}">
-                <adec:decorative xmlns:adec="http://schemas.microsoft.com/office/drawing/2017/decorative" val="1"/>
-              </a:ext>
-            </a:extLst>
-          </p:cNvPr>
-          <p:cNvSpPr>
-            <a:spLocks noGrp="1" noRot="1" noChangeAspect="1" noMove="1" noResize="1" noEditPoints="1" noAdjustHandles="1" noChangeArrowheads="1" noChangeShapeType="1" noTextEdit="1"/>
-          </p:cNvSpPr>
-          <p:nvPr>
-            <p:extLst>
-              <p:ext uri="{386F3935-93C4-4BCD-93E2-E3B085C9AB24}">
-                <p16:designElem xmlns:p16="http://schemas.microsoft.com/office/powerpoint/2015/main" val="1"/>
-              </p:ext>
-            </p:extLst>
-          </p:nvPr>
-        </p:nvSpPr>
-        <p:spPr bwMode="auto">
-          <a:xfrm flipV="1">
-            <a:off x="-159" y="1149203"/>
-            <a:ext cx="1098194" cy="514066"/>
-          </a:xfrm>
-          <a:custGeom>
-            <a:avLst/>
-            <a:gdLst>
-              <a:gd name="connsiteX0" fmla="*/ 10000 w 10044"/>
-              <a:gd name="connsiteY0" fmla="*/ 4701 h 9966"/>
-              <a:gd name="connsiteX1" fmla="*/ 8559 w 10044"/>
-              <a:gd name="connsiteY1" fmla="*/ 188 h 9966"/>
-              <a:gd name="connsiteX2" fmla="*/ 8527 w 10044"/>
-              <a:gd name="connsiteY2" fmla="*/ 94 h 9966"/>
-              <a:gd name="connsiteX3" fmla="*/ 8438 w 10044"/>
-              <a:gd name="connsiteY3" fmla="*/ 0 h 9966"/>
-              <a:gd name="connsiteX4" fmla="*/ 7867 w 10044"/>
-              <a:gd name="connsiteY4" fmla="*/ 0 h 9966"/>
-              <a:gd name="connsiteX5" fmla="*/ 0 w 10044"/>
-              <a:gd name="connsiteY5" fmla="*/ 70 h 9966"/>
-              <a:gd name="connsiteX6" fmla="*/ 3132 w 10044"/>
-              <a:gd name="connsiteY6" fmla="*/ 9763 h 9966"/>
-              <a:gd name="connsiteX7" fmla="*/ 7867 w 10044"/>
-              <a:gd name="connsiteY7" fmla="*/ 9966 h 9966"/>
-              <a:gd name="connsiteX8" fmla="*/ 8438 w 10044"/>
-              <a:gd name="connsiteY8" fmla="*/ 9966 h 9966"/>
-              <a:gd name="connsiteX9" fmla="*/ 8527 w 10044"/>
-              <a:gd name="connsiteY9" fmla="*/ 9872 h 9966"/>
-              <a:gd name="connsiteX10" fmla="*/ 8559 w 10044"/>
-              <a:gd name="connsiteY10" fmla="*/ 9778 h 9966"/>
-              <a:gd name="connsiteX11" fmla="*/ 10000 w 10044"/>
-              <a:gd name="connsiteY11" fmla="*/ 5265 h 9966"/>
-              <a:gd name="connsiteX12" fmla="*/ 10000 w 10044"/>
-              <a:gd name="connsiteY12" fmla="*/ 4701 h 9966"/>
-              <a:gd name="connsiteX0" fmla="*/ 6839 w 6883"/>
-              <a:gd name="connsiteY0" fmla="*/ 4885 h 10168"/>
-              <a:gd name="connsiteX1" fmla="*/ 5405 w 6883"/>
-              <a:gd name="connsiteY1" fmla="*/ 357 h 10168"/>
-              <a:gd name="connsiteX2" fmla="*/ 5373 w 6883"/>
-              <a:gd name="connsiteY2" fmla="*/ 262 h 10168"/>
-              <a:gd name="connsiteX3" fmla="*/ 5284 w 6883"/>
-              <a:gd name="connsiteY3" fmla="*/ 168 h 10168"/>
-              <a:gd name="connsiteX4" fmla="*/ 4716 w 6883"/>
-              <a:gd name="connsiteY4" fmla="*/ 168 h 10168"/>
-              <a:gd name="connsiteX5" fmla="*/ 50 w 6883"/>
-              <a:gd name="connsiteY5" fmla="*/ 0 h 10168"/>
-              <a:gd name="connsiteX6" fmla="*/ 1 w 6883"/>
-              <a:gd name="connsiteY6" fmla="*/ 9964 h 10168"/>
-              <a:gd name="connsiteX7" fmla="*/ 4716 w 6883"/>
-              <a:gd name="connsiteY7" fmla="*/ 10168 h 10168"/>
-              <a:gd name="connsiteX8" fmla="*/ 5284 w 6883"/>
-              <a:gd name="connsiteY8" fmla="*/ 10168 h 10168"/>
-              <a:gd name="connsiteX9" fmla="*/ 5373 w 6883"/>
-              <a:gd name="connsiteY9" fmla="*/ 10074 h 10168"/>
-              <a:gd name="connsiteX10" fmla="*/ 5405 w 6883"/>
-              <a:gd name="connsiteY10" fmla="*/ 9979 h 10168"/>
-              <a:gd name="connsiteX11" fmla="*/ 6839 w 6883"/>
-              <a:gd name="connsiteY11" fmla="*/ 5451 h 10168"/>
-              <a:gd name="connsiteX12" fmla="*/ 6839 w 6883"/>
-              <a:gd name="connsiteY12" fmla="*/ 4885 h 10168"/>
-            </a:gdLst>
-            <a:ahLst/>
-            <a:cxnLst>
-              <a:cxn ang="0">
-                <a:pos x="connsiteX0" y="connsiteY0"/>
-              </a:cxn>
-              <a:cxn ang="0">
-                <a:pos x="connsiteX1" y="connsiteY1"/>
-              </a:cxn>
-              <a:cxn ang="0">
-                <a:pos x="connsiteX2" y="connsiteY2"/>
-              </a:cxn>
-              <a:cxn ang="0">
-                <a:pos x="connsiteX3" y="connsiteY3"/>
-              </a:cxn>
-              <a:cxn ang="0">
-                <a:pos x="connsiteX4" y="connsiteY4"/>
-              </a:cxn>
-              <a:cxn ang="0">
-                <a:pos x="connsiteX5" y="connsiteY5"/>
-              </a:cxn>
-              <a:cxn ang="0">
-                <a:pos x="connsiteX6" y="connsiteY6"/>
-              </a:cxn>
-              <a:cxn ang="0">
-                <a:pos x="connsiteX7" y="connsiteY7"/>
-              </a:cxn>
-              <a:cxn ang="0">
-                <a:pos x="connsiteX8" y="connsiteY8"/>
-              </a:cxn>
-              <a:cxn ang="0">
-                <a:pos x="connsiteX9" y="connsiteY9"/>
-              </a:cxn>
-              <a:cxn ang="0">
-                <a:pos x="connsiteX10" y="connsiteY10"/>
-              </a:cxn>
-              <a:cxn ang="0">
-                <a:pos x="connsiteX11" y="connsiteY11"/>
-              </a:cxn>
-              <a:cxn ang="0">
-                <a:pos x="connsiteX12" y="connsiteY12"/>
-              </a:cxn>
-            </a:cxnLst>
-            <a:rect l="l" t="t" r="r" b="b"/>
-            <a:pathLst>
-              <a:path w="6883" h="10168">
-                <a:moveTo>
-                  <a:pt x="6839" y="4885"/>
-                </a:moveTo>
-                <a:lnTo>
-                  <a:pt x="5405" y="357"/>
-                </a:lnTo>
-                <a:cubicBezTo>
-                  <a:pt x="5395" y="325"/>
-                  <a:pt x="5383" y="294"/>
-                  <a:pt x="5373" y="262"/>
-                </a:cubicBezTo>
-                <a:cubicBezTo>
-                  <a:pt x="5344" y="168"/>
-                  <a:pt x="5314" y="168"/>
-                  <a:pt x="5284" y="168"/>
-                </a:cubicBezTo>
-                <a:lnTo>
-                  <a:pt x="4716" y="168"/>
-                </a:lnTo>
-                <a:lnTo>
-                  <a:pt x="50" y="0"/>
-                </a:lnTo>
-                <a:cubicBezTo>
-                  <a:pt x="59" y="3322"/>
-                  <a:pt x="-8" y="6643"/>
-                  <a:pt x="1" y="9964"/>
-                </a:cubicBezTo>
-                <a:lnTo>
-                  <a:pt x="4716" y="10168"/>
-                </a:lnTo>
-                <a:lnTo>
-                  <a:pt x="5284" y="10168"/>
-                </a:lnTo>
-                <a:cubicBezTo>
-                  <a:pt x="5314" y="10168"/>
-                  <a:pt x="5344" y="10074"/>
-                  <a:pt x="5373" y="10074"/>
-                </a:cubicBezTo>
-                <a:cubicBezTo>
-                  <a:pt x="5373" y="9979"/>
-                  <a:pt x="5405" y="9979"/>
-                  <a:pt x="5405" y="9979"/>
-                </a:cubicBezTo>
-                <a:lnTo>
-                  <a:pt x="6839" y="5451"/>
-                </a:lnTo>
-                <a:cubicBezTo>
-                  <a:pt x="6898" y="5262"/>
-                  <a:pt x="6898" y="5074"/>
-                  <a:pt x="6839" y="4885"/>
-                </a:cubicBezTo>
-                <a:close/>
-              </a:path>
-            </a:pathLst>
-          </a:custGeom>
-          <a:solidFill>
-            <a:schemeClr val="accent1"/>
-          </a:solidFill>
-          <a:ln>
-            <a:noFill/>
-          </a:ln>
-        </p:spPr>
-      </p:sp>
-      <p:sp>
-        <p:nvSpPr>
-          <p:cNvPr id="3" name="Content Placeholder 2">
-            <a:extLst>
-              <a:ext uri="{FF2B5EF4-FFF2-40B4-BE49-F238E27FC236}">
-                <a16:creationId xmlns:a16="http://schemas.microsoft.com/office/drawing/2014/main" id="{004002B4-A5FE-2F36-3223-FD58673CEF4D}"/>
-              </a:ext>
-            </a:extLst>
-          </p:cNvPr>
-          <p:cNvSpPr>
-            <a:spLocks noGrp="1"/>
-          </p:cNvSpPr>
-          <p:nvPr>
-            <p:ph idx="1"/>
-          </p:nvPr>
-        </p:nvSpPr>
-        <p:spPr>
-          <a:xfrm>
-            <a:off x="5280368" y="1059872"/>
-            <a:ext cx="6224244" cy="4851350"/>
-          </a:xfrm>
-        </p:spPr>
-        <p:txBody>
-          <a:bodyPr>
-            <a:normAutofit/>
-          </a:bodyPr>
-          <a:lstStyle/>
-          <a:p>
-            <a:pPr marL="0" indent="0">
-              <a:buNone/>
-            </a:pPr>
-            <a:r>
-              <a:rPr lang="en-US"/>
-              <a:t>Let’s use a simple linear regression to test significance. We find that ________. However, it is important to note for our project, PercentSalaryHike is probably not indicative of good performance because it likely happens after the fact.</a:t>
-            </a:r>
-            <a:endParaRPr lang="en-US" dirty="0"/>
-          </a:p>
-        </p:txBody>
-      </p:sp>
-    </p:spTree>
-    <p:extLst>
-      <p:ext uri="{BB962C8B-B14F-4D97-AF65-F5344CB8AC3E}">
-        <p14:creationId xmlns:p14="http://schemas.microsoft.com/office/powerpoint/2010/main" val="1663396356"/>
-      </p:ext>
-    </p:extLst>
-  </p:cSld>
-  <p:clrMapOvr>
-    <a:masterClrMapping/>
-  </p:clrMapOvr>
-</p:sld>
-</file>
-
-<file path=ppt/slides/slide7.xml><?xml version="1.0" encoding="utf-8"?>
 <p:sld xmlns:a="http://schemas.openxmlformats.org/drawingml/2006/main" xmlns:r="http://schemas.openxmlformats.org/officeDocument/2006/relationships" xmlns:p="http://schemas.openxmlformats.org/presentationml/2006/main">
   <p:cSld>
     <p:bg>
@@ -17045,7 +16739,7 @@
 </p:sld>
 </file>
 
-<file path=ppt/slides/slide8.xml><?xml version="1.0" encoding="utf-8"?>
+<file path=ppt/slides/slide7.xml><?xml version="1.0" encoding="utf-8"?>
 <p:sld xmlns:a="http://schemas.openxmlformats.org/drawingml/2006/main" xmlns:r="http://schemas.openxmlformats.org/officeDocument/2006/relationships" xmlns:p="http://schemas.openxmlformats.org/presentationml/2006/main">
   <p:cSld>
     <p:spTree>
@@ -17106,7 +16800,12 @@
             <p:ph idx="1"/>
           </p:nvPr>
         </p:nvSpPr>
-        <p:spPr/>
+        <p:spPr>
+          <a:xfrm>
+            <a:off x="2589212" y="2133600"/>
+            <a:ext cx="8915400" cy="4724400"/>
+          </a:xfrm>
+        </p:spPr>
         <p:txBody>
           <a:bodyPr>
             <a:normAutofit/>
@@ -17142,6 +16841,24 @@
             <a:pPr marL="0" indent="0">
               <a:buNone/>
             </a:pPr>
+            <a:endParaRPr lang="en-US" dirty="0"/>
+          </a:p>
+          <a:p>
+            <a:pPr marL="0" indent="0">
+              <a:buNone/>
+            </a:pPr>
+            <a:endParaRPr lang="en-US" dirty="0"/>
+          </a:p>
+          <a:p>
+            <a:pPr marL="0" indent="0">
+              <a:buNone/>
+            </a:pPr>
+            <a:endParaRPr lang="en-US" dirty="0"/>
+          </a:p>
+          <a:p>
+            <a:pPr marL="0" indent="0">
+              <a:buNone/>
+            </a:pPr>
             <a:r>
               <a:rPr lang="en-US" dirty="0"/>
               <a:t>AUC is about 50% which means it does not perform any better than random chance. Therefore, I think it’s safe to assume that every variable but </a:t>
@@ -17157,6 +16874,36 @@
           </a:p>
         </p:txBody>
       </p:sp>
+      <p:pic>
+        <p:nvPicPr>
+          <p:cNvPr id="5" name="Picture 4" descr="A screenshot of a graph&#10;&#10;Description automatically generated">
+            <a:extLst>
+              <a:ext uri="{FF2B5EF4-FFF2-40B4-BE49-F238E27FC236}">
+                <a16:creationId xmlns:a16="http://schemas.microsoft.com/office/drawing/2014/main" id="{3E83F385-F6E7-317C-059A-C7CA0D1B6332}"/>
+              </a:ext>
+            </a:extLst>
+          </p:cNvPr>
+          <p:cNvPicPr>
+            <a:picLocks noChangeAspect="1"/>
+          </p:cNvPicPr>
+          <p:nvPr/>
+        </p:nvPicPr>
+        <p:blipFill>
+          <a:blip r:embed="rId2"/>
+          <a:stretch>
+            <a:fillRect/>
+          </a:stretch>
+        </p:blipFill>
+        <p:spPr>
+          <a:xfrm>
+            <a:off x="5378978" y="2956324"/>
+            <a:ext cx="3780950" cy="1954343"/>
+          </a:xfrm>
+          <a:prstGeom prst="rect">
+            <a:avLst/>
+          </a:prstGeom>
+        </p:spPr>
+      </p:pic>
     </p:spTree>
     <p:extLst>
       <p:ext uri="{BB962C8B-B14F-4D97-AF65-F5344CB8AC3E}">
@@ -17170,7 +16917,7 @@
 </p:sld>
 </file>
 
-<file path=ppt/slides/slide9.xml><?xml version="1.0" encoding="utf-8"?>
+<file path=ppt/slides/slide8.xml><?xml version="1.0" encoding="utf-8"?>
 <p:sld xmlns:a="http://schemas.openxmlformats.org/drawingml/2006/main" xmlns:r="http://schemas.openxmlformats.org/officeDocument/2006/relationships" xmlns:p="http://schemas.openxmlformats.org/presentationml/2006/main">
   <p:cSld>
     <p:spTree>
@@ -17260,6 +17007,30 @@
             <a:pPr marL="0" indent="0">
               <a:buNone/>
             </a:pPr>
+            <a:endParaRPr lang="en-US" dirty="0"/>
+          </a:p>
+          <a:p>
+            <a:pPr marL="0" indent="0">
+              <a:buNone/>
+            </a:pPr>
+            <a:endParaRPr lang="en-US" dirty="0"/>
+          </a:p>
+          <a:p>
+            <a:pPr marL="0" indent="0">
+              <a:buNone/>
+            </a:pPr>
+            <a:endParaRPr lang="en-US" dirty="0"/>
+          </a:p>
+          <a:p>
+            <a:pPr marL="0" indent="0">
+              <a:buNone/>
+            </a:pPr>
+            <a:endParaRPr lang="en-US" dirty="0"/>
+          </a:p>
+          <a:p>
+            <a:pPr marL="0" indent="0">
+              <a:buNone/>
+            </a:pPr>
             <a:r>
               <a:rPr lang="en-US" dirty="0"/>
               <a:t>On average, the AUC is around 78%</a:t>
@@ -17267,10 +17038,203 @@
           </a:p>
         </p:txBody>
       </p:sp>
+      <p:pic>
+        <p:nvPicPr>
+          <p:cNvPr id="5" name="Picture 4" descr="A screenshot of a graph&#10;&#10;Description automatically generated">
+            <a:extLst>
+              <a:ext uri="{FF2B5EF4-FFF2-40B4-BE49-F238E27FC236}">
+                <a16:creationId xmlns:a16="http://schemas.microsoft.com/office/drawing/2014/main" id="{C3984A06-009A-B3AE-48C2-1370219500E0}"/>
+              </a:ext>
+            </a:extLst>
+          </p:cNvPr>
+          <p:cNvPicPr>
+            <a:picLocks noChangeAspect="1"/>
+          </p:cNvPicPr>
+          <p:nvPr/>
+        </p:nvPicPr>
+        <p:blipFill>
+          <a:blip r:embed="rId2"/>
+          <a:stretch>
+            <a:fillRect/>
+          </a:stretch>
+        </p:blipFill>
+        <p:spPr>
+          <a:xfrm>
+            <a:off x="4248149" y="2690282"/>
+            <a:ext cx="3862917" cy="2004469"/>
+          </a:xfrm>
+          <a:prstGeom prst="rect">
+            <a:avLst/>
+          </a:prstGeom>
+        </p:spPr>
+      </p:pic>
     </p:spTree>
     <p:extLst>
       <p:ext uri="{BB962C8B-B14F-4D97-AF65-F5344CB8AC3E}">
         <p14:creationId xmlns:p14="http://schemas.microsoft.com/office/powerpoint/2010/main" val="2725307228"/>
+      </p:ext>
+    </p:extLst>
+  </p:cSld>
+  <p:clrMapOvr>
+    <a:masterClrMapping/>
+  </p:clrMapOvr>
+</p:sld>
+</file>
+
+<file path=ppt/slides/slide9.xml><?xml version="1.0" encoding="utf-8"?>
+<p:sld xmlns:a="http://schemas.openxmlformats.org/drawingml/2006/main" xmlns:r="http://schemas.openxmlformats.org/officeDocument/2006/relationships" xmlns:p="http://schemas.openxmlformats.org/presentationml/2006/main">
+  <p:cSld>
+    <p:spTree>
+      <p:nvGrpSpPr>
+        <p:cNvPr id="1" name=""/>
+        <p:cNvGrpSpPr/>
+        <p:nvPr/>
+      </p:nvGrpSpPr>
+      <p:grpSpPr>
+        <a:xfrm>
+          <a:off x="0" y="0"/>
+          <a:ext cx="0" cy="0"/>
+          <a:chOff x="0" y="0"/>
+          <a:chExt cx="0" cy="0"/>
+        </a:xfrm>
+      </p:grpSpPr>
+      <p:sp>
+        <p:nvSpPr>
+          <p:cNvPr id="2" name="Title 1">
+            <a:extLst>
+              <a:ext uri="{FF2B5EF4-FFF2-40B4-BE49-F238E27FC236}">
+                <a16:creationId xmlns:a16="http://schemas.microsoft.com/office/drawing/2014/main" id="{8EB1B07A-E0E3-7C0E-1711-5B298BD40C78}"/>
+              </a:ext>
+            </a:extLst>
+          </p:cNvPr>
+          <p:cNvSpPr>
+            <a:spLocks noGrp="1"/>
+          </p:cNvSpPr>
+          <p:nvPr>
+            <p:ph type="title"/>
+          </p:nvPr>
+        </p:nvSpPr>
+        <p:spPr/>
+        <p:txBody>
+          <a:bodyPr/>
+          <a:lstStyle/>
+          <a:p>
+            <a:r>
+              <a:rPr lang="en-US" dirty="0"/>
+              <a:t>Employee Attrition – Winner Function</a:t>
+            </a:r>
+          </a:p>
+        </p:txBody>
+      </p:sp>
+      <p:sp>
+        <p:nvSpPr>
+          <p:cNvPr id="3" name="Content Placeholder 2">
+            <a:extLst>
+              <a:ext uri="{FF2B5EF4-FFF2-40B4-BE49-F238E27FC236}">
+                <a16:creationId xmlns:a16="http://schemas.microsoft.com/office/drawing/2014/main" id="{4AA02DE4-8A51-6FA0-CF86-FE4E4CE2238D}"/>
+              </a:ext>
+            </a:extLst>
+          </p:cNvPr>
+          <p:cNvSpPr>
+            <a:spLocks noGrp="1"/>
+          </p:cNvSpPr>
+          <p:nvPr>
+            <p:ph idx="1"/>
+          </p:nvPr>
+        </p:nvSpPr>
+        <p:spPr>
+          <a:xfrm>
+            <a:off x="2589212" y="2133599"/>
+            <a:ext cx="8915400" cy="4385733"/>
+          </a:xfrm>
+        </p:spPr>
+        <p:txBody>
+          <a:bodyPr/>
+          <a:lstStyle/>
+          <a:p>
+            <a:pPr marL="0" indent="0">
+              <a:buNone/>
+            </a:pPr>
+            <a:r>
+              <a:rPr lang="en-US" dirty="0"/>
+              <a:t>I decided to create a winner function to iterate through each model and select the winner with the highest AUC. Let’s do this for 1000 occurrences. Here are the results:</a:t>
+            </a:r>
+          </a:p>
+          <a:p>
+            <a:pPr marL="0" indent="0">
+              <a:buNone/>
+            </a:pPr>
+            <a:endParaRPr lang="en-US" dirty="0"/>
+          </a:p>
+          <a:p>
+            <a:pPr marL="0" indent="0">
+              <a:buNone/>
+            </a:pPr>
+            <a:endParaRPr lang="en-US" dirty="0"/>
+          </a:p>
+          <a:p>
+            <a:pPr marL="0" indent="0">
+              <a:buNone/>
+            </a:pPr>
+            <a:endParaRPr lang="en-US" dirty="0"/>
+          </a:p>
+          <a:p>
+            <a:pPr marL="0" indent="0">
+              <a:buNone/>
+            </a:pPr>
+            <a:endParaRPr lang="en-US" dirty="0"/>
+          </a:p>
+          <a:p>
+            <a:pPr marL="0" indent="0">
+              <a:buNone/>
+            </a:pPr>
+            <a:endParaRPr lang="en-US" dirty="0"/>
+          </a:p>
+          <a:p>
+            <a:pPr marL="0" indent="0">
+              <a:buNone/>
+            </a:pPr>
+            <a:r>
+              <a:rPr lang="en-US" dirty="0"/>
+              <a:t>The results are interesting because even though SVM won the most times, the largest difference in average AUC scores is .0007 or .07% which tells me that all models are comparable.</a:t>
+            </a:r>
+          </a:p>
+        </p:txBody>
+      </p:sp>
+      <p:pic>
+        <p:nvPicPr>
+          <p:cNvPr id="5" name="Picture 4" descr="A screenshot of a computer&#10;&#10;Description automatically generated">
+            <a:extLst>
+              <a:ext uri="{FF2B5EF4-FFF2-40B4-BE49-F238E27FC236}">
+                <a16:creationId xmlns:a16="http://schemas.microsoft.com/office/drawing/2014/main" id="{8B5BA5E6-5E2C-6021-929D-AF08B5256B1B}"/>
+              </a:ext>
+            </a:extLst>
+          </p:cNvPr>
+          <p:cNvPicPr>
+            <a:picLocks noChangeAspect="1"/>
+          </p:cNvPicPr>
+          <p:nvPr/>
+        </p:nvPicPr>
+        <p:blipFill>
+          <a:blip r:embed="rId2"/>
+          <a:stretch>
+            <a:fillRect/>
+          </a:stretch>
+        </p:blipFill>
+        <p:spPr>
+          <a:xfrm>
+            <a:off x="4669367" y="2942166"/>
+            <a:ext cx="3327400" cy="1955800"/>
+          </a:xfrm>
+          <a:prstGeom prst="rect">
+            <a:avLst/>
+          </a:prstGeom>
+        </p:spPr>
+      </p:pic>
+    </p:spTree>
+    <p:extLst>
+      <p:ext uri="{BB962C8B-B14F-4D97-AF65-F5344CB8AC3E}">
+        <p14:creationId xmlns:p14="http://schemas.microsoft.com/office/powerpoint/2010/main" val="771302106"/>
       </p:ext>
     </p:extLst>
   </p:cSld>
